--- a/código/Utils/power points/categorias.pptx
+++ b/código/Utils/power points/categorias.pptx
@@ -11388,304 +11388,6 @@
       <dsp:cNvGrpSpPr/>
     </dsp:nvGrpSpPr>
     <dsp:grpSpPr/>
-    <dsp:sp modelId="{510AB3C5-8BA4-41BA-98AF-7BF83ED5D268}">
-      <dsp:nvSpPr>
-        <dsp:cNvPr id="0" name=""/>
-        <dsp:cNvSpPr/>
-      </dsp:nvSpPr>
-      <dsp:spPr>
-        <a:xfrm>
-          <a:off x="0" y="0"/>
-          <a:ext cx="3292078" cy="368975"/>
-        </a:xfrm>
-        <a:prstGeom prst="chevron">
-          <a:avLst/>
-        </a:prstGeom>
-        <a:solidFill>
-          <a:srgbClr val="D00000"/>
-        </a:solidFill>
-        <a:ln w="12700" cap="flat" cmpd="sng" algn="ctr">
-          <a:solidFill>
-            <a:schemeClr val="lt1">
-              <a:hueOff val="0"/>
-              <a:satOff val="0"/>
-              <a:lumOff val="0"/>
-              <a:alphaOff val="0"/>
-            </a:schemeClr>
-          </a:solidFill>
-          <a:prstDash val="solid"/>
-          <a:miter lim="800000"/>
-        </a:ln>
-        <a:effectLst/>
-      </dsp:spPr>
-      <dsp:style>
-        <a:lnRef idx="2">
-          <a:scrgbClr r="0" g="0" b="0"/>
-        </a:lnRef>
-        <a:fillRef idx="1">
-          <a:scrgbClr r="0" g="0" b="0"/>
-        </a:fillRef>
-        <a:effectRef idx="0">
-          <a:scrgbClr r="0" g="0" b="0"/>
-        </a:effectRef>
-        <a:fontRef idx="minor">
-          <a:schemeClr val="lt1"/>
-        </a:fontRef>
-      </dsp:style>
-      <dsp:txBody>
-        <a:bodyPr spcFirstLastPara="0" vert="horz" wrap="square" lIns="88011" tIns="29337" rIns="29337" bIns="29337" numCol="1" spcCol="1270" anchor="ctr" anchorCtr="0">
-          <a:noAutofit/>
-        </a:bodyPr>
-        <a:lstStyle/>
-        <a:p>
-          <a:pPr lvl="0" algn="ctr" defTabSz="977900">
-            <a:lnSpc>
-              <a:spcPct val="90000"/>
-            </a:lnSpc>
-            <a:spcBef>
-              <a:spcPct val="0"/>
-            </a:spcBef>
-            <a:spcAft>
-              <a:spcPct val="35000"/>
-            </a:spcAft>
-          </a:pPr>
-          <a:r>
-            <a:rPr lang="es-ES" sz="2200" kern="1200" dirty="0" smtClean="0"/>
-            <a:t> </a:t>
-          </a:r>
-          <a:endParaRPr lang="es-ES" sz="2200" kern="1200" dirty="0"/>
-        </a:p>
-      </dsp:txBody>
-      <dsp:txXfrm>
-        <a:off x="184488" y="0"/>
-        <a:ext cx="2923103" cy="368975"/>
-      </dsp:txXfrm>
-    </dsp:sp>
-    <dsp:sp modelId="{C8F88164-AAA7-4D35-9719-579F51DFA2F9}">
-      <dsp:nvSpPr>
-        <dsp:cNvPr id="0" name=""/>
-        <dsp:cNvSpPr/>
-      </dsp:nvSpPr>
-      <dsp:spPr>
-        <a:xfrm>
-          <a:off x="2968525" y="0"/>
-          <a:ext cx="3292078" cy="368975"/>
-        </a:xfrm>
-        <a:prstGeom prst="chevron">
-          <a:avLst/>
-        </a:prstGeom>
-        <a:solidFill>
-          <a:schemeClr val="bg2">
-            <a:lumMod val="90000"/>
-          </a:schemeClr>
-        </a:solidFill>
-        <a:ln w="12700" cap="flat" cmpd="sng" algn="ctr">
-          <a:solidFill>
-            <a:schemeClr val="lt1">
-              <a:hueOff val="0"/>
-              <a:satOff val="0"/>
-              <a:lumOff val="0"/>
-              <a:alphaOff val="0"/>
-            </a:schemeClr>
-          </a:solidFill>
-          <a:prstDash val="solid"/>
-          <a:miter lim="800000"/>
-        </a:ln>
-        <a:effectLst/>
-      </dsp:spPr>
-      <dsp:style>
-        <a:lnRef idx="2">
-          <a:scrgbClr r="0" g="0" b="0"/>
-        </a:lnRef>
-        <a:fillRef idx="1">
-          <a:scrgbClr r="0" g="0" b="0"/>
-        </a:fillRef>
-        <a:effectRef idx="0">
-          <a:scrgbClr r="0" g="0" b="0"/>
-        </a:effectRef>
-        <a:fontRef idx="minor">
-          <a:schemeClr val="lt1"/>
-        </a:fontRef>
-      </dsp:style>
-      <dsp:txBody>
-        <a:bodyPr spcFirstLastPara="0" vert="horz" wrap="square" lIns="88011" tIns="29337" rIns="29337" bIns="29337" numCol="1" spcCol="1270" anchor="ctr" anchorCtr="0">
-          <a:noAutofit/>
-        </a:bodyPr>
-        <a:lstStyle/>
-        <a:p>
-          <a:pPr lvl="0" algn="ctr" defTabSz="977900">
-            <a:lnSpc>
-              <a:spcPct val="90000"/>
-            </a:lnSpc>
-            <a:spcBef>
-              <a:spcPct val="0"/>
-            </a:spcBef>
-            <a:spcAft>
-              <a:spcPct val="35000"/>
-            </a:spcAft>
-          </a:pPr>
-          <a:r>
-            <a:rPr lang="es-ES" sz="2200" kern="1200" dirty="0" smtClean="0"/>
-            <a:t> </a:t>
-          </a:r>
-          <a:endParaRPr lang="es-ES" sz="2200" kern="1200" dirty="0"/>
-        </a:p>
-      </dsp:txBody>
-      <dsp:txXfrm>
-        <a:off x="3153013" y="0"/>
-        <a:ext cx="2923103" cy="368975"/>
-      </dsp:txXfrm>
-    </dsp:sp>
-    <dsp:sp modelId="{9B93A998-20CE-494A-8F64-CBE2C5BABE44}">
-      <dsp:nvSpPr>
-        <dsp:cNvPr id="0" name=""/>
-        <dsp:cNvSpPr/>
-      </dsp:nvSpPr>
-      <dsp:spPr>
-        <a:xfrm>
-          <a:off x="5931396" y="0"/>
-          <a:ext cx="3292078" cy="368975"/>
-        </a:xfrm>
-        <a:prstGeom prst="chevron">
-          <a:avLst/>
-        </a:prstGeom>
-        <a:solidFill>
-          <a:schemeClr val="bg2">
-            <a:lumMod val="90000"/>
-          </a:schemeClr>
-        </a:solidFill>
-        <a:ln w="12700" cap="flat" cmpd="sng" algn="ctr">
-          <a:solidFill>
-            <a:schemeClr val="lt1">
-              <a:hueOff val="0"/>
-              <a:satOff val="0"/>
-              <a:lumOff val="0"/>
-              <a:alphaOff val="0"/>
-            </a:schemeClr>
-          </a:solidFill>
-          <a:prstDash val="solid"/>
-          <a:miter lim="800000"/>
-        </a:ln>
-        <a:effectLst/>
-      </dsp:spPr>
-      <dsp:style>
-        <a:lnRef idx="2">
-          <a:scrgbClr r="0" g="0" b="0"/>
-        </a:lnRef>
-        <a:fillRef idx="1">
-          <a:scrgbClr r="0" g="0" b="0"/>
-        </a:fillRef>
-        <a:effectRef idx="0">
-          <a:scrgbClr r="0" g="0" b="0"/>
-        </a:effectRef>
-        <a:fontRef idx="minor">
-          <a:schemeClr val="lt1"/>
-        </a:fontRef>
-      </dsp:style>
-      <dsp:txBody>
-        <a:bodyPr spcFirstLastPara="0" vert="horz" wrap="square" lIns="88011" tIns="29337" rIns="29337" bIns="29337" numCol="1" spcCol="1270" anchor="ctr" anchorCtr="0">
-          <a:noAutofit/>
-        </a:bodyPr>
-        <a:lstStyle/>
-        <a:p>
-          <a:pPr lvl="0" algn="ctr" defTabSz="977900">
-            <a:lnSpc>
-              <a:spcPct val="90000"/>
-            </a:lnSpc>
-            <a:spcBef>
-              <a:spcPct val="0"/>
-            </a:spcBef>
-            <a:spcAft>
-              <a:spcPct val="35000"/>
-            </a:spcAft>
-          </a:pPr>
-          <a:r>
-            <a:rPr lang="es-ES" sz="2200" kern="1200" dirty="0" smtClean="0"/>
-            <a:t> </a:t>
-          </a:r>
-          <a:endParaRPr lang="es-ES" sz="2200" kern="1200" dirty="0"/>
-        </a:p>
-      </dsp:txBody>
-      <dsp:txXfrm>
-        <a:off x="6115884" y="0"/>
-        <a:ext cx="2923103" cy="368975"/>
-      </dsp:txXfrm>
-    </dsp:sp>
-    <dsp:sp modelId="{C43FE636-99D9-4CA3-AC9A-95C6490D6455}">
-      <dsp:nvSpPr>
-        <dsp:cNvPr id="0" name=""/>
-        <dsp:cNvSpPr/>
-      </dsp:nvSpPr>
-      <dsp:spPr>
-        <a:xfrm>
-          <a:off x="8899921" y="0"/>
-          <a:ext cx="3292078" cy="368975"/>
-        </a:xfrm>
-        <a:prstGeom prst="chevron">
-          <a:avLst/>
-        </a:prstGeom>
-        <a:solidFill>
-          <a:schemeClr val="bg2">
-            <a:lumMod val="90000"/>
-          </a:schemeClr>
-        </a:solidFill>
-        <a:ln w="12700" cap="flat" cmpd="sng" algn="ctr">
-          <a:solidFill>
-            <a:schemeClr val="lt1">
-              <a:hueOff val="0"/>
-              <a:satOff val="0"/>
-              <a:lumOff val="0"/>
-              <a:alphaOff val="0"/>
-            </a:schemeClr>
-          </a:solidFill>
-          <a:prstDash val="solid"/>
-          <a:miter lim="800000"/>
-        </a:ln>
-        <a:effectLst/>
-      </dsp:spPr>
-      <dsp:style>
-        <a:lnRef idx="2">
-          <a:scrgbClr r="0" g="0" b="0"/>
-        </a:lnRef>
-        <a:fillRef idx="1">
-          <a:scrgbClr r="0" g="0" b="0"/>
-        </a:fillRef>
-        <a:effectRef idx="0">
-          <a:scrgbClr r="0" g="0" b="0"/>
-        </a:effectRef>
-        <a:fontRef idx="minor">
-          <a:schemeClr val="lt1"/>
-        </a:fontRef>
-      </dsp:style>
-      <dsp:txBody>
-        <a:bodyPr spcFirstLastPara="0" vert="horz" wrap="square" lIns="88011" tIns="29337" rIns="29337" bIns="29337" numCol="1" spcCol="1270" anchor="ctr" anchorCtr="0">
-          <a:noAutofit/>
-        </a:bodyPr>
-        <a:lstStyle/>
-        <a:p>
-          <a:pPr lvl="0" algn="ctr" defTabSz="977900">
-            <a:lnSpc>
-              <a:spcPct val="90000"/>
-            </a:lnSpc>
-            <a:spcBef>
-              <a:spcPct val="0"/>
-            </a:spcBef>
-            <a:spcAft>
-              <a:spcPct val="35000"/>
-            </a:spcAft>
-          </a:pPr>
-          <a:r>
-            <a:rPr lang="es-ES" sz="2200" kern="1200" dirty="0" smtClean="0"/>
-            <a:t> </a:t>
-          </a:r>
-          <a:endParaRPr lang="es-ES" sz="2200" kern="1200" dirty="0"/>
-        </a:p>
-      </dsp:txBody>
-      <dsp:txXfrm>
-        <a:off x="9084409" y="0"/>
-        <a:ext cx="2923103" cy="368975"/>
-      </dsp:txXfrm>
-    </dsp:sp>
   </dsp:spTree>
 </dsp:drawing>
 </file>
@@ -11698,304 +11400,6 @@
       <dsp:cNvGrpSpPr/>
     </dsp:nvGrpSpPr>
     <dsp:grpSpPr/>
-    <dsp:sp modelId="{510AB3C5-8BA4-41BA-98AF-7BF83ED5D268}">
-      <dsp:nvSpPr>
-        <dsp:cNvPr id="0" name=""/>
-        <dsp:cNvSpPr/>
-      </dsp:nvSpPr>
-      <dsp:spPr>
-        <a:xfrm>
-          <a:off x="0" y="0"/>
-          <a:ext cx="3292078" cy="368975"/>
-        </a:xfrm>
-        <a:prstGeom prst="chevron">
-          <a:avLst/>
-        </a:prstGeom>
-        <a:solidFill>
-          <a:srgbClr val="D00000"/>
-        </a:solidFill>
-        <a:ln w="12700" cap="flat" cmpd="sng" algn="ctr">
-          <a:solidFill>
-            <a:schemeClr val="lt1">
-              <a:hueOff val="0"/>
-              <a:satOff val="0"/>
-              <a:lumOff val="0"/>
-              <a:alphaOff val="0"/>
-            </a:schemeClr>
-          </a:solidFill>
-          <a:prstDash val="solid"/>
-          <a:miter lim="800000"/>
-        </a:ln>
-        <a:effectLst/>
-      </dsp:spPr>
-      <dsp:style>
-        <a:lnRef idx="2">
-          <a:scrgbClr r="0" g="0" b="0"/>
-        </a:lnRef>
-        <a:fillRef idx="1">
-          <a:scrgbClr r="0" g="0" b="0"/>
-        </a:fillRef>
-        <a:effectRef idx="0">
-          <a:scrgbClr r="0" g="0" b="0"/>
-        </a:effectRef>
-        <a:fontRef idx="minor">
-          <a:schemeClr val="lt1"/>
-        </a:fontRef>
-      </dsp:style>
-      <dsp:txBody>
-        <a:bodyPr spcFirstLastPara="0" vert="horz" wrap="square" lIns="88011" tIns="29337" rIns="29337" bIns="29337" numCol="1" spcCol="1270" anchor="ctr" anchorCtr="0">
-          <a:noAutofit/>
-        </a:bodyPr>
-        <a:lstStyle/>
-        <a:p>
-          <a:pPr lvl="0" algn="ctr" defTabSz="977900">
-            <a:lnSpc>
-              <a:spcPct val="90000"/>
-            </a:lnSpc>
-            <a:spcBef>
-              <a:spcPct val="0"/>
-            </a:spcBef>
-            <a:spcAft>
-              <a:spcPct val="35000"/>
-            </a:spcAft>
-          </a:pPr>
-          <a:r>
-            <a:rPr lang="es-ES" sz="2200" kern="1200" dirty="0" smtClean="0"/>
-            <a:t> </a:t>
-          </a:r>
-          <a:endParaRPr lang="es-ES" sz="2200" kern="1200" dirty="0"/>
-        </a:p>
-      </dsp:txBody>
-      <dsp:txXfrm>
-        <a:off x="184488" y="0"/>
-        <a:ext cx="2923103" cy="368975"/>
-      </dsp:txXfrm>
-    </dsp:sp>
-    <dsp:sp modelId="{C8F88164-AAA7-4D35-9719-579F51DFA2F9}">
-      <dsp:nvSpPr>
-        <dsp:cNvPr id="0" name=""/>
-        <dsp:cNvSpPr/>
-      </dsp:nvSpPr>
-      <dsp:spPr>
-        <a:xfrm>
-          <a:off x="2968525" y="0"/>
-          <a:ext cx="3292078" cy="368975"/>
-        </a:xfrm>
-        <a:prstGeom prst="chevron">
-          <a:avLst/>
-        </a:prstGeom>
-        <a:solidFill>
-          <a:schemeClr val="bg2">
-            <a:lumMod val="90000"/>
-          </a:schemeClr>
-        </a:solidFill>
-        <a:ln w="12700" cap="flat" cmpd="sng" algn="ctr">
-          <a:solidFill>
-            <a:schemeClr val="lt1">
-              <a:hueOff val="0"/>
-              <a:satOff val="0"/>
-              <a:lumOff val="0"/>
-              <a:alphaOff val="0"/>
-            </a:schemeClr>
-          </a:solidFill>
-          <a:prstDash val="solid"/>
-          <a:miter lim="800000"/>
-        </a:ln>
-        <a:effectLst/>
-      </dsp:spPr>
-      <dsp:style>
-        <a:lnRef idx="2">
-          <a:scrgbClr r="0" g="0" b="0"/>
-        </a:lnRef>
-        <a:fillRef idx="1">
-          <a:scrgbClr r="0" g="0" b="0"/>
-        </a:fillRef>
-        <a:effectRef idx="0">
-          <a:scrgbClr r="0" g="0" b="0"/>
-        </a:effectRef>
-        <a:fontRef idx="minor">
-          <a:schemeClr val="lt1"/>
-        </a:fontRef>
-      </dsp:style>
-      <dsp:txBody>
-        <a:bodyPr spcFirstLastPara="0" vert="horz" wrap="square" lIns="88011" tIns="29337" rIns="29337" bIns="29337" numCol="1" spcCol="1270" anchor="ctr" anchorCtr="0">
-          <a:noAutofit/>
-        </a:bodyPr>
-        <a:lstStyle/>
-        <a:p>
-          <a:pPr lvl="0" algn="ctr" defTabSz="977900">
-            <a:lnSpc>
-              <a:spcPct val="90000"/>
-            </a:lnSpc>
-            <a:spcBef>
-              <a:spcPct val="0"/>
-            </a:spcBef>
-            <a:spcAft>
-              <a:spcPct val="35000"/>
-            </a:spcAft>
-          </a:pPr>
-          <a:r>
-            <a:rPr lang="es-ES" sz="2200" kern="1200" dirty="0" smtClean="0"/>
-            <a:t> </a:t>
-          </a:r>
-          <a:endParaRPr lang="es-ES" sz="2200" kern="1200" dirty="0"/>
-        </a:p>
-      </dsp:txBody>
-      <dsp:txXfrm>
-        <a:off x="3153013" y="0"/>
-        <a:ext cx="2923103" cy="368975"/>
-      </dsp:txXfrm>
-    </dsp:sp>
-    <dsp:sp modelId="{9B93A998-20CE-494A-8F64-CBE2C5BABE44}">
-      <dsp:nvSpPr>
-        <dsp:cNvPr id="0" name=""/>
-        <dsp:cNvSpPr/>
-      </dsp:nvSpPr>
-      <dsp:spPr>
-        <a:xfrm>
-          <a:off x="5931396" y="0"/>
-          <a:ext cx="3292078" cy="368975"/>
-        </a:xfrm>
-        <a:prstGeom prst="chevron">
-          <a:avLst/>
-        </a:prstGeom>
-        <a:solidFill>
-          <a:schemeClr val="bg2">
-            <a:lumMod val="90000"/>
-          </a:schemeClr>
-        </a:solidFill>
-        <a:ln w="12700" cap="flat" cmpd="sng" algn="ctr">
-          <a:solidFill>
-            <a:schemeClr val="lt1">
-              <a:hueOff val="0"/>
-              <a:satOff val="0"/>
-              <a:lumOff val="0"/>
-              <a:alphaOff val="0"/>
-            </a:schemeClr>
-          </a:solidFill>
-          <a:prstDash val="solid"/>
-          <a:miter lim="800000"/>
-        </a:ln>
-        <a:effectLst/>
-      </dsp:spPr>
-      <dsp:style>
-        <a:lnRef idx="2">
-          <a:scrgbClr r="0" g="0" b="0"/>
-        </a:lnRef>
-        <a:fillRef idx="1">
-          <a:scrgbClr r="0" g="0" b="0"/>
-        </a:fillRef>
-        <a:effectRef idx="0">
-          <a:scrgbClr r="0" g="0" b="0"/>
-        </a:effectRef>
-        <a:fontRef idx="minor">
-          <a:schemeClr val="lt1"/>
-        </a:fontRef>
-      </dsp:style>
-      <dsp:txBody>
-        <a:bodyPr spcFirstLastPara="0" vert="horz" wrap="square" lIns="88011" tIns="29337" rIns="29337" bIns="29337" numCol="1" spcCol="1270" anchor="ctr" anchorCtr="0">
-          <a:noAutofit/>
-        </a:bodyPr>
-        <a:lstStyle/>
-        <a:p>
-          <a:pPr lvl="0" algn="ctr" defTabSz="977900">
-            <a:lnSpc>
-              <a:spcPct val="90000"/>
-            </a:lnSpc>
-            <a:spcBef>
-              <a:spcPct val="0"/>
-            </a:spcBef>
-            <a:spcAft>
-              <a:spcPct val="35000"/>
-            </a:spcAft>
-          </a:pPr>
-          <a:r>
-            <a:rPr lang="es-ES" sz="2200" kern="1200" dirty="0" smtClean="0"/>
-            <a:t> </a:t>
-          </a:r>
-          <a:endParaRPr lang="es-ES" sz="2200" kern="1200" dirty="0"/>
-        </a:p>
-      </dsp:txBody>
-      <dsp:txXfrm>
-        <a:off x="6115884" y="0"/>
-        <a:ext cx="2923103" cy="368975"/>
-      </dsp:txXfrm>
-    </dsp:sp>
-    <dsp:sp modelId="{C43FE636-99D9-4CA3-AC9A-95C6490D6455}">
-      <dsp:nvSpPr>
-        <dsp:cNvPr id="0" name=""/>
-        <dsp:cNvSpPr/>
-      </dsp:nvSpPr>
-      <dsp:spPr>
-        <a:xfrm>
-          <a:off x="8899921" y="0"/>
-          <a:ext cx="3292078" cy="368975"/>
-        </a:xfrm>
-        <a:prstGeom prst="chevron">
-          <a:avLst/>
-        </a:prstGeom>
-        <a:solidFill>
-          <a:schemeClr val="bg2">
-            <a:lumMod val="90000"/>
-          </a:schemeClr>
-        </a:solidFill>
-        <a:ln w="12700" cap="flat" cmpd="sng" algn="ctr">
-          <a:solidFill>
-            <a:schemeClr val="lt1">
-              <a:hueOff val="0"/>
-              <a:satOff val="0"/>
-              <a:lumOff val="0"/>
-              <a:alphaOff val="0"/>
-            </a:schemeClr>
-          </a:solidFill>
-          <a:prstDash val="solid"/>
-          <a:miter lim="800000"/>
-        </a:ln>
-        <a:effectLst/>
-      </dsp:spPr>
-      <dsp:style>
-        <a:lnRef idx="2">
-          <a:scrgbClr r="0" g="0" b="0"/>
-        </a:lnRef>
-        <a:fillRef idx="1">
-          <a:scrgbClr r="0" g="0" b="0"/>
-        </a:fillRef>
-        <a:effectRef idx="0">
-          <a:scrgbClr r="0" g="0" b="0"/>
-        </a:effectRef>
-        <a:fontRef idx="minor">
-          <a:schemeClr val="lt1"/>
-        </a:fontRef>
-      </dsp:style>
-      <dsp:txBody>
-        <a:bodyPr spcFirstLastPara="0" vert="horz" wrap="square" lIns="88011" tIns="29337" rIns="29337" bIns="29337" numCol="1" spcCol="1270" anchor="ctr" anchorCtr="0">
-          <a:noAutofit/>
-        </a:bodyPr>
-        <a:lstStyle/>
-        <a:p>
-          <a:pPr lvl="0" algn="ctr" defTabSz="977900">
-            <a:lnSpc>
-              <a:spcPct val="90000"/>
-            </a:lnSpc>
-            <a:spcBef>
-              <a:spcPct val="0"/>
-            </a:spcBef>
-            <a:spcAft>
-              <a:spcPct val="35000"/>
-            </a:spcAft>
-          </a:pPr>
-          <a:r>
-            <a:rPr lang="es-ES" sz="2200" kern="1200" dirty="0" smtClean="0"/>
-            <a:t> </a:t>
-          </a:r>
-          <a:endParaRPr lang="es-ES" sz="2200" kern="1200" dirty="0"/>
-        </a:p>
-      </dsp:txBody>
-      <dsp:txXfrm>
-        <a:off x="9084409" y="0"/>
-        <a:ext cx="2923103" cy="368975"/>
-      </dsp:txXfrm>
-    </dsp:sp>
   </dsp:spTree>
 </dsp:drawing>
 </file>
@@ -13248,304 +12652,6 @@
       <dsp:cNvGrpSpPr/>
     </dsp:nvGrpSpPr>
     <dsp:grpSpPr/>
-    <dsp:sp modelId="{510AB3C5-8BA4-41BA-98AF-7BF83ED5D268}">
-      <dsp:nvSpPr>
-        <dsp:cNvPr id="0" name=""/>
-        <dsp:cNvSpPr/>
-      </dsp:nvSpPr>
-      <dsp:spPr>
-        <a:xfrm>
-          <a:off x="0" y="0"/>
-          <a:ext cx="3292078" cy="368975"/>
-        </a:xfrm>
-        <a:prstGeom prst="chevron">
-          <a:avLst/>
-        </a:prstGeom>
-        <a:solidFill>
-          <a:schemeClr val="bg2">
-            <a:lumMod val="90000"/>
-          </a:schemeClr>
-        </a:solidFill>
-        <a:ln w="12700" cap="flat" cmpd="sng" algn="ctr">
-          <a:solidFill>
-            <a:schemeClr val="lt1">
-              <a:hueOff val="0"/>
-              <a:satOff val="0"/>
-              <a:lumOff val="0"/>
-              <a:alphaOff val="0"/>
-            </a:schemeClr>
-          </a:solidFill>
-          <a:prstDash val="solid"/>
-          <a:miter lim="800000"/>
-        </a:ln>
-        <a:effectLst/>
-      </dsp:spPr>
-      <dsp:style>
-        <a:lnRef idx="2">
-          <a:scrgbClr r="0" g="0" b="0"/>
-        </a:lnRef>
-        <a:fillRef idx="1">
-          <a:scrgbClr r="0" g="0" b="0"/>
-        </a:fillRef>
-        <a:effectRef idx="0">
-          <a:scrgbClr r="0" g="0" b="0"/>
-        </a:effectRef>
-        <a:fontRef idx="minor">
-          <a:schemeClr val="lt1"/>
-        </a:fontRef>
-      </dsp:style>
-      <dsp:txBody>
-        <a:bodyPr spcFirstLastPara="0" vert="horz" wrap="square" lIns="88011" tIns="29337" rIns="29337" bIns="29337" numCol="1" spcCol="1270" anchor="ctr" anchorCtr="0">
-          <a:noAutofit/>
-        </a:bodyPr>
-        <a:lstStyle/>
-        <a:p>
-          <a:pPr lvl="0" algn="ctr" defTabSz="977900">
-            <a:lnSpc>
-              <a:spcPct val="90000"/>
-            </a:lnSpc>
-            <a:spcBef>
-              <a:spcPct val="0"/>
-            </a:spcBef>
-            <a:spcAft>
-              <a:spcPct val="35000"/>
-            </a:spcAft>
-          </a:pPr>
-          <a:r>
-            <a:rPr lang="es-ES" sz="2200" kern="1200" dirty="0" smtClean="0"/>
-            <a:t> </a:t>
-          </a:r>
-          <a:endParaRPr lang="es-ES" sz="2200" kern="1200" dirty="0"/>
-        </a:p>
-      </dsp:txBody>
-      <dsp:txXfrm>
-        <a:off x="184488" y="0"/>
-        <a:ext cx="2923103" cy="368975"/>
-      </dsp:txXfrm>
-    </dsp:sp>
-    <dsp:sp modelId="{C8F88164-AAA7-4D35-9719-579F51DFA2F9}">
-      <dsp:nvSpPr>
-        <dsp:cNvPr id="0" name=""/>
-        <dsp:cNvSpPr/>
-      </dsp:nvSpPr>
-      <dsp:spPr>
-        <a:xfrm>
-          <a:off x="2968525" y="0"/>
-          <a:ext cx="3292078" cy="368975"/>
-        </a:xfrm>
-        <a:prstGeom prst="chevron">
-          <a:avLst/>
-        </a:prstGeom>
-        <a:solidFill>
-          <a:schemeClr val="bg2">
-            <a:lumMod val="90000"/>
-          </a:schemeClr>
-        </a:solidFill>
-        <a:ln w="12700" cap="flat" cmpd="sng" algn="ctr">
-          <a:solidFill>
-            <a:schemeClr val="lt1">
-              <a:hueOff val="0"/>
-              <a:satOff val="0"/>
-              <a:lumOff val="0"/>
-              <a:alphaOff val="0"/>
-            </a:schemeClr>
-          </a:solidFill>
-          <a:prstDash val="solid"/>
-          <a:miter lim="800000"/>
-        </a:ln>
-        <a:effectLst/>
-      </dsp:spPr>
-      <dsp:style>
-        <a:lnRef idx="2">
-          <a:scrgbClr r="0" g="0" b="0"/>
-        </a:lnRef>
-        <a:fillRef idx="1">
-          <a:scrgbClr r="0" g="0" b="0"/>
-        </a:fillRef>
-        <a:effectRef idx="0">
-          <a:scrgbClr r="0" g="0" b="0"/>
-        </a:effectRef>
-        <a:fontRef idx="minor">
-          <a:schemeClr val="lt1"/>
-        </a:fontRef>
-      </dsp:style>
-      <dsp:txBody>
-        <a:bodyPr spcFirstLastPara="0" vert="horz" wrap="square" lIns="88011" tIns="29337" rIns="29337" bIns="29337" numCol="1" spcCol="1270" anchor="ctr" anchorCtr="0">
-          <a:noAutofit/>
-        </a:bodyPr>
-        <a:lstStyle/>
-        <a:p>
-          <a:pPr lvl="0" algn="ctr" defTabSz="977900">
-            <a:lnSpc>
-              <a:spcPct val="90000"/>
-            </a:lnSpc>
-            <a:spcBef>
-              <a:spcPct val="0"/>
-            </a:spcBef>
-            <a:spcAft>
-              <a:spcPct val="35000"/>
-            </a:spcAft>
-          </a:pPr>
-          <a:r>
-            <a:rPr lang="es-ES" sz="2200" kern="1200" dirty="0" smtClean="0"/>
-            <a:t> </a:t>
-          </a:r>
-          <a:endParaRPr lang="es-ES" sz="2200" kern="1200" dirty="0"/>
-        </a:p>
-      </dsp:txBody>
-      <dsp:txXfrm>
-        <a:off x="3153013" y="0"/>
-        <a:ext cx="2923103" cy="368975"/>
-      </dsp:txXfrm>
-    </dsp:sp>
-    <dsp:sp modelId="{9B93A998-20CE-494A-8F64-CBE2C5BABE44}">
-      <dsp:nvSpPr>
-        <dsp:cNvPr id="0" name=""/>
-        <dsp:cNvSpPr/>
-      </dsp:nvSpPr>
-      <dsp:spPr>
-        <a:xfrm>
-          <a:off x="5931396" y="0"/>
-          <a:ext cx="3292078" cy="368975"/>
-        </a:xfrm>
-        <a:prstGeom prst="chevron">
-          <a:avLst/>
-        </a:prstGeom>
-        <a:solidFill>
-          <a:schemeClr val="bg2">
-            <a:lumMod val="90000"/>
-          </a:schemeClr>
-        </a:solidFill>
-        <a:ln w="12700" cap="flat" cmpd="sng" algn="ctr">
-          <a:solidFill>
-            <a:schemeClr val="lt1">
-              <a:hueOff val="0"/>
-              <a:satOff val="0"/>
-              <a:lumOff val="0"/>
-              <a:alphaOff val="0"/>
-            </a:schemeClr>
-          </a:solidFill>
-          <a:prstDash val="solid"/>
-          <a:miter lim="800000"/>
-        </a:ln>
-        <a:effectLst/>
-      </dsp:spPr>
-      <dsp:style>
-        <a:lnRef idx="2">
-          <a:scrgbClr r="0" g="0" b="0"/>
-        </a:lnRef>
-        <a:fillRef idx="1">
-          <a:scrgbClr r="0" g="0" b="0"/>
-        </a:fillRef>
-        <a:effectRef idx="0">
-          <a:scrgbClr r="0" g="0" b="0"/>
-        </a:effectRef>
-        <a:fontRef idx="minor">
-          <a:schemeClr val="lt1"/>
-        </a:fontRef>
-      </dsp:style>
-      <dsp:txBody>
-        <a:bodyPr spcFirstLastPara="0" vert="horz" wrap="square" lIns="88011" tIns="29337" rIns="29337" bIns="29337" numCol="1" spcCol="1270" anchor="ctr" anchorCtr="0">
-          <a:noAutofit/>
-        </a:bodyPr>
-        <a:lstStyle/>
-        <a:p>
-          <a:pPr lvl="0" algn="ctr" defTabSz="977900">
-            <a:lnSpc>
-              <a:spcPct val="90000"/>
-            </a:lnSpc>
-            <a:spcBef>
-              <a:spcPct val="0"/>
-            </a:spcBef>
-            <a:spcAft>
-              <a:spcPct val="35000"/>
-            </a:spcAft>
-          </a:pPr>
-          <a:r>
-            <a:rPr lang="es-ES" sz="2200" kern="1200" dirty="0" smtClean="0"/>
-            <a:t> </a:t>
-          </a:r>
-          <a:endParaRPr lang="es-ES" sz="2200" kern="1200" dirty="0"/>
-        </a:p>
-      </dsp:txBody>
-      <dsp:txXfrm>
-        <a:off x="6115884" y="0"/>
-        <a:ext cx="2923103" cy="368975"/>
-      </dsp:txXfrm>
-    </dsp:sp>
-    <dsp:sp modelId="{C43FE636-99D9-4CA3-AC9A-95C6490D6455}">
-      <dsp:nvSpPr>
-        <dsp:cNvPr id="0" name=""/>
-        <dsp:cNvSpPr/>
-      </dsp:nvSpPr>
-      <dsp:spPr>
-        <a:xfrm>
-          <a:off x="8899921" y="0"/>
-          <a:ext cx="3292078" cy="368975"/>
-        </a:xfrm>
-        <a:prstGeom prst="chevron">
-          <a:avLst/>
-        </a:prstGeom>
-        <a:solidFill>
-          <a:schemeClr val="accent4"/>
-        </a:solidFill>
-        <a:ln w="12700" cap="flat" cmpd="sng" algn="ctr">
-          <a:solidFill>
-            <a:schemeClr val="lt1">
-              <a:hueOff val="0"/>
-              <a:satOff val="0"/>
-              <a:lumOff val="0"/>
-              <a:alphaOff val="0"/>
-            </a:schemeClr>
-          </a:solidFill>
-          <a:prstDash val="solid"/>
-          <a:miter lim="800000"/>
-        </a:ln>
-        <a:effectLst/>
-      </dsp:spPr>
-      <dsp:style>
-        <a:lnRef idx="2">
-          <a:scrgbClr r="0" g="0" b="0"/>
-        </a:lnRef>
-        <a:fillRef idx="1">
-          <a:scrgbClr r="0" g="0" b="0"/>
-        </a:fillRef>
-        <a:effectRef idx="0">
-          <a:scrgbClr r="0" g="0" b="0"/>
-        </a:effectRef>
-        <a:fontRef idx="minor">
-          <a:schemeClr val="lt1"/>
-        </a:fontRef>
-      </dsp:style>
-      <dsp:txBody>
-        <a:bodyPr spcFirstLastPara="0" vert="horz" wrap="square" lIns="88011" tIns="29337" rIns="29337" bIns="29337" numCol="1" spcCol="1270" anchor="ctr" anchorCtr="0">
-          <a:noAutofit/>
-        </a:bodyPr>
-        <a:lstStyle/>
-        <a:p>
-          <a:pPr lvl="0" algn="ctr" defTabSz="977900">
-            <a:lnSpc>
-              <a:spcPct val="90000"/>
-            </a:lnSpc>
-            <a:spcBef>
-              <a:spcPct val="0"/>
-            </a:spcBef>
-            <a:spcAft>
-              <a:spcPct val="35000"/>
-            </a:spcAft>
-          </a:pPr>
-          <a:r>
-            <a:rPr lang="es-ES" sz="2200" kern="1200" dirty="0" smtClean="0"/>
-            <a:t> </a:t>
-          </a:r>
-          <a:endParaRPr lang="es-ES" sz="2200" kern="1200" dirty="0"/>
-        </a:p>
-      </dsp:txBody>
-      <dsp:txXfrm>
-        <a:off x="9084409" y="0"/>
-        <a:ext cx="2923103" cy="368975"/>
-      </dsp:txXfrm>
-    </dsp:sp>
   </dsp:spTree>
 </dsp:drawing>
 </file>
@@ -30730,7 +29836,7 @@
         </p:blipFill>
         <p:spPr>
           <a:xfrm>
-            <a:off x="1202170" y="3998174"/>
+            <a:off x="1164298" y="3268885"/>
             <a:ext cx="2388909" cy="485688"/>
           </a:xfrm>
           <a:prstGeom prst="rect">
@@ -30753,7 +29859,7 @@
         </p:blipFill>
         <p:spPr>
           <a:xfrm>
-            <a:off x="1148101" y="3291171"/>
+            <a:off x="1164298" y="3946063"/>
             <a:ext cx="2323975" cy="481467"/>
           </a:xfrm>
           <a:prstGeom prst="rect">
@@ -31116,7 +30222,7 @@
           <p:nvPr>
             <p:extLst>
               <p:ext uri="{D42A27DB-BD31-4B8C-83A1-F6EECF244321}">
-                <p14:modId xmlns:p14="http://schemas.microsoft.com/office/powerpoint/2010/main" val="2719916706"/>
+                <p14:modId xmlns:p14="http://schemas.microsoft.com/office/powerpoint/2010/main" val="2414828673"/>
               </p:ext>
             </p:extLst>
           </p:nvPr>
@@ -31258,7 +30364,7 @@
                         <a:defRPr/>
                       </a:pPr>
                       <a:r>
-                        <a:rPr lang="es-ES" sz="2300" kern="1200" dirty="0" smtClean="0"/>
+                        <a:rPr lang="es-ES" sz="2300" b="1" kern="1200" dirty="0" smtClean="0"/>
                         <a:t>2.28€/kg</a:t>
                       </a:r>
                       <a:endParaRPr lang="es-ES" sz="2300" b="1" kern="1200" dirty="0" smtClean="0">
@@ -31299,7 +30405,7 @@
                         <a:defRPr/>
                       </a:pPr>
                       <a:r>
-                        <a:rPr lang="es-ES" sz="2300" kern="1200" dirty="0" smtClean="0"/>
+                        <a:rPr lang="es-ES" sz="2300" b="1" kern="1200" dirty="0" smtClean="0"/>
                         <a:t>3.0€</a:t>
                       </a:r>
                       <a:r>
@@ -31433,7 +30539,7 @@
         </p:blipFill>
         <p:spPr>
           <a:xfrm>
-            <a:off x="3311502" y="5382756"/>
+            <a:off x="3333114" y="3368015"/>
             <a:ext cx="2050502" cy="424810"/>
           </a:xfrm>
           <a:prstGeom prst="rect">
@@ -31481,7 +30587,7 @@
         </p:blipFill>
         <p:spPr>
           <a:xfrm>
-            <a:off x="3311502" y="3426890"/>
+            <a:off x="3333114" y="5380707"/>
             <a:ext cx="2076140" cy="422099"/>
           </a:xfrm>
           <a:prstGeom prst="rect">
@@ -31676,11 +30782,7 @@
             <a:pPr algn="ctr"/>
             <a:r>
               <a:rPr lang="es-ES" dirty="0" smtClean="0"/>
-              <a:t>49</a:t>
-            </a:r>
-            <a:r>
-              <a:rPr lang="es-ES" dirty="0" smtClean="0"/>
-              <a:t>%</a:t>
+              <a:t>49%</a:t>
             </a:r>
             <a:endParaRPr lang="es-ES" dirty="0"/>
           </a:p>
@@ -31866,11 +30968,7 @@
             <a:pPr algn="ctr"/>
             <a:r>
               <a:rPr lang="es-ES" dirty="0" smtClean="0"/>
-              <a:t>30</a:t>
-            </a:r>
-            <a:r>
-              <a:rPr lang="es-ES" dirty="0" smtClean="0"/>
-              <a:t>%</a:t>
+              <a:t>30%</a:t>
             </a:r>
             <a:endParaRPr lang="es-ES" dirty="0"/>
           </a:p>
@@ -32703,11 +31801,7 @@
                       </a:pPr>
                       <a:r>
                         <a:rPr lang="es-ES" sz="2300" b="1" kern="1200" dirty="0" smtClean="0"/>
-                        <a:t>12.7€</a:t>
-                      </a:r>
-                      <a:r>
-                        <a:rPr lang="es-ES" sz="2300" b="1" kern="1200" dirty="0" smtClean="0"/>
-                        <a:t>/kg</a:t>
+                        <a:t>12.7€/kg</a:t>
                       </a:r>
                       <a:endParaRPr lang="es-ES" sz="2300" b="1" kern="1200" dirty="0" smtClean="0">
                         <a:solidFill>
@@ -34071,7 +33165,7 @@
           <p:nvPr>
             <p:extLst>
               <p:ext uri="{D42A27DB-BD31-4B8C-83A1-F6EECF244321}">
-                <p14:modId xmlns:p14="http://schemas.microsoft.com/office/powerpoint/2010/main" val="1173029264"/>
+                <p14:modId xmlns:p14="http://schemas.microsoft.com/office/powerpoint/2010/main" val="972221618"/>
               </p:ext>
             </p:extLst>
           </p:nvPr>
@@ -34133,18 +33227,7 @@
                             </a:schemeClr>
                           </a:solidFill>
                         </a:rPr>
-                        <a:t>6.1€</a:t>
-                      </a:r>
-                      <a:r>
-                        <a:rPr lang="es-ES" sz="2500" b="1" dirty="0" smtClean="0">
-                          <a:solidFill>
-                            <a:schemeClr val="tx1">
-                              <a:lumMod val="85000"/>
-                              <a:lumOff val="15000"/>
-                            </a:schemeClr>
-                          </a:solidFill>
-                        </a:rPr>
-                        <a:t>/L</a:t>
+                        <a:t>4.8€/L</a:t>
                       </a:r>
                     </a:p>
                   </a:txBody>
@@ -34181,7 +33264,7 @@
                             </a:schemeClr>
                           </a:solidFill>
                         </a:rPr>
-                        <a:t>8.7€/L</a:t>
+                        <a:t>8.2€/L</a:t>
                       </a:r>
                     </a:p>
                   </a:txBody>
@@ -34231,18 +33314,7 @@
                             </a:schemeClr>
                           </a:solidFill>
                         </a:rPr>
-                        <a:t>4.8€</a:t>
-                      </a:r>
-                      <a:r>
-                        <a:rPr lang="es-ES" sz="2500" b="1" dirty="0" smtClean="0">
-                          <a:solidFill>
-                            <a:schemeClr val="tx1">
-                              <a:lumMod val="85000"/>
-                              <a:lumOff val="15000"/>
-                            </a:schemeClr>
-                          </a:solidFill>
-                        </a:rPr>
-                        <a:t>/L</a:t>
+                        <a:t>6.1€/L</a:t>
                       </a:r>
                     </a:p>
                   </a:txBody>
@@ -34279,18 +33351,7 @@
                             </a:schemeClr>
                           </a:solidFill>
                         </a:rPr>
-                        <a:t>8.2€</a:t>
-                      </a:r>
-                      <a:r>
-                        <a:rPr lang="es-ES" sz="2500" b="1" dirty="0" smtClean="0">
-                          <a:solidFill>
-                            <a:schemeClr val="tx1">
-                              <a:lumMod val="85000"/>
-                              <a:lumOff val="15000"/>
-                            </a:schemeClr>
-                          </a:solidFill>
-                        </a:rPr>
-                        <a:t>/L</a:t>
+                        <a:t>8.7€/L</a:t>
                       </a:r>
                     </a:p>
                   </a:txBody>
@@ -34397,7 +33458,7 @@
         </p:blipFill>
         <p:spPr>
           <a:xfrm>
-            <a:off x="3438697" y="3216595"/>
+            <a:off x="3461492" y="4155559"/>
             <a:ext cx="2050502" cy="424810"/>
           </a:xfrm>
           <a:prstGeom prst="rect">
@@ -34445,7 +33506,7 @@
         </p:blipFill>
         <p:spPr>
           <a:xfrm>
-            <a:off x="3425878" y="4228339"/>
+            <a:off x="3461492" y="3217951"/>
             <a:ext cx="2076140" cy="422099"/>
           </a:xfrm>
           <a:prstGeom prst="rect">
@@ -34726,7 +33787,7 @@
             <a:pPr algn="ctr"/>
             <a:r>
               <a:rPr lang="es-ES" dirty="0" smtClean="0"/>
-              <a:t>42 </a:t>
+              <a:t>70 </a:t>
             </a:r>
             <a:r>
               <a:rPr lang="es-ES" dirty="0" smtClean="0"/>
@@ -34780,11 +33841,7 @@
             <a:pPr algn="ctr"/>
             <a:r>
               <a:rPr lang="es-ES" dirty="0" smtClean="0"/>
-              <a:t>70</a:t>
-            </a:r>
-            <a:r>
-              <a:rPr lang="es-ES" dirty="0" smtClean="0"/>
-              <a:t> </a:t>
+              <a:t>42 </a:t>
             </a:r>
             <a:r>
               <a:rPr lang="es-ES" dirty="0" smtClean="0"/>
